--- a/Documentation/Weekly Report/week5/CMSC-4920-Group2-Week5.pptx
+++ b/Documentation/Weekly Report/week5/CMSC-4920-Group2-Week5.pptx
@@ -132,7 +132,7 @@
   <pc:docChgLst>
     <pc:chgData name="Margo Bonal" userId="18c9fa0f-b53d-478b-9dc0-6ad88786c19f" providerId="ADAL" clId="{93D479E5-F67F-4B8A-A78F-A0B574A116B6}"/>
     <pc:docChg chg="undo custSel addSld modSld">
-      <pc:chgData name="Margo Bonal" userId="18c9fa0f-b53d-478b-9dc0-6ad88786c19f" providerId="ADAL" clId="{93D479E5-F67F-4B8A-A78F-A0B574A116B6}" dt="2026-01-23T14:41:10.976" v="829" actId="207"/>
+      <pc:chgData name="Margo Bonal" userId="18c9fa0f-b53d-478b-9dc0-6ad88786c19f" providerId="ADAL" clId="{93D479E5-F67F-4B8A-A78F-A0B574A116B6}" dt="2026-02-14T07:05:33.902" v="965" actId="20577"/>
       <pc:docMkLst>
         <pc:docMk/>
       </pc:docMkLst>
@@ -362,6 +362,44 @@
             <ac:cxnSpMk id="13" creationId="{F7C8EA93-3210-4C62-99E9-153C275E3A87}"/>
           </ac:cxnSpMkLst>
         </pc:cxnChg>
+      </pc:sldChg>
+      <pc:sldChg chg="modSp mod">
+        <pc:chgData name="Margo Bonal" userId="18c9fa0f-b53d-478b-9dc0-6ad88786c19f" providerId="ADAL" clId="{93D479E5-F67F-4B8A-A78F-A0B574A116B6}" dt="2026-02-14T07:04:11.014" v="852" actId="20577"/>
+        <pc:sldMkLst>
+          <pc:docMk/>
+          <pc:sldMk cId="2428741132" sldId="265"/>
+        </pc:sldMkLst>
+        <pc:spChg chg="mod">
+          <ac:chgData name="Margo Bonal" userId="18c9fa0f-b53d-478b-9dc0-6ad88786c19f" providerId="ADAL" clId="{93D479E5-F67F-4B8A-A78F-A0B574A116B6}" dt="2026-02-14T07:04:11.014" v="852" actId="20577"/>
+          <ac:spMkLst>
+            <pc:docMk/>
+            <pc:sldMk cId="2428741132" sldId="265"/>
+            <ac:spMk id="8" creationId="{7A067979-B2B3-BD33-28AB-42AF2BBE1977}"/>
+          </ac:spMkLst>
+        </pc:spChg>
+      </pc:sldChg>
+      <pc:sldChg chg="modSp mod">
+        <pc:chgData name="Margo Bonal" userId="18c9fa0f-b53d-478b-9dc0-6ad88786c19f" providerId="ADAL" clId="{93D479E5-F67F-4B8A-A78F-A0B574A116B6}" dt="2026-02-14T07:05:33.902" v="965" actId="20577"/>
+        <pc:sldMkLst>
+          <pc:docMk/>
+          <pc:sldMk cId="3526335932" sldId="266"/>
+        </pc:sldMkLst>
+        <pc:spChg chg="mod">
+          <ac:chgData name="Margo Bonal" userId="18c9fa0f-b53d-478b-9dc0-6ad88786c19f" providerId="ADAL" clId="{93D479E5-F67F-4B8A-A78F-A0B574A116B6}" dt="2026-02-14T07:05:33.902" v="965" actId="20577"/>
+          <ac:spMkLst>
+            <pc:docMk/>
+            <pc:sldMk cId="3526335932" sldId="266"/>
+            <ac:spMk id="4" creationId="{86ED9EE4-56A8-6AFD-BE9A-A35D2ABC59A0}"/>
+          </ac:spMkLst>
+        </pc:spChg>
+        <pc:spChg chg="mod">
+          <ac:chgData name="Margo Bonal" userId="18c9fa0f-b53d-478b-9dc0-6ad88786c19f" providerId="ADAL" clId="{93D479E5-F67F-4B8A-A78F-A0B574A116B6}" dt="2026-02-14T07:05:06.406" v="961" actId="20577"/>
+          <ac:spMkLst>
+            <pc:docMk/>
+            <pc:sldMk cId="3526335932" sldId="266"/>
+            <ac:spMk id="5" creationId="{E40DC201-0466-5D58-2422-48A1842C6A76}"/>
+          </ac:spMkLst>
+        </pc:spChg>
       </pc:sldChg>
     </pc:docChg>
   </pc:docChgLst>
@@ -6576,7 +6614,7 @@
           <a:p>
             <a:fld id="{C882E6FB-EB88-4936-BED9-9E37159958CA}" type="datetimeFigureOut">
               <a:rPr lang="en-US" smtClean="0"/>
-              <a:t>2/13/2026</a:t>
+              <a:t>2/14/2026</a:t>
             </a:fld>
             <a:endParaRPr lang="en-US"/>
           </a:p>
@@ -6774,7 +6812,7 @@
           <a:p>
             <a:fld id="{C882E6FB-EB88-4936-BED9-9E37159958CA}" type="datetimeFigureOut">
               <a:rPr lang="en-US" smtClean="0"/>
-              <a:t>2/13/2026</a:t>
+              <a:t>2/14/2026</a:t>
             </a:fld>
             <a:endParaRPr lang="en-US"/>
           </a:p>
@@ -6982,7 +7020,7 @@
           <a:p>
             <a:fld id="{C882E6FB-EB88-4936-BED9-9E37159958CA}" type="datetimeFigureOut">
               <a:rPr lang="en-US" smtClean="0"/>
-              <a:t>2/13/2026</a:t>
+              <a:t>2/14/2026</a:t>
             </a:fld>
             <a:endParaRPr lang="en-US"/>
           </a:p>
@@ -7180,7 +7218,7 @@
           <a:p>
             <a:fld id="{C882E6FB-EB88-4936-BED9-9E37159958CA}" type="datetimeFigureOut">
               <a:rPr lang="en-US" smtClean="0"/>
-              <a:t>2/13/2026</a:t>
+              <a:t>2/14/2026</a:t>
             </a:fld>
             <a:endParaRPr lang="en-US"/>
           </a:p>
@@ -7455,7 +7493,7 @@
           <a:p>
             <a:fld id="{C882E6FB-EB88-4936-BED9-9E37159958CA}" type="datetimeFigureOut">
               <a:rPr lang="en-US" smtClean="0"/>
-              <a:t>2/13/2026</a:t>
+              <a:t>2/14/2026</a:t>
             </a:fld>
             <a:endParaRPr lang="en-US"/>
           </a:p>
@@ -7720,7 +7758,7 @@
           <a:p>
             <a:fld id="{C882E6FB-EB88-4936-BED9-9E37159958CA}" type="datetimeFigureOut">
               <a:rPr lang="en-US" smtClean="0"/>
-              <a:t>2/13/2026</a:t>
+              <a:t>2/14/2026</a:t>
             </a:fld>
             <a:endParaRPr lang="en-US"/>
           </a:p>
@@ -8132,7 +8170,7 @@
           <a:p>
             <a:fld id="{C882E6FB-EB88-4936-BED9-9E37159958CA}" type="datetimeFigureOut">
               <a:rPr lang="en-US" smtClean="0"/>
-              <a:t>2/13/2026</a:t>
+              <a:t>2/14/2026</a:t>
             </a:fld>
             <a:endParaRPr lang="en-US"/>
           </a:p>
@@ -8273,7 +8311,7 @@
           <a:p>
             <a:fld id="{C882E6FB-EB88-4936-BED9-9E37159958CA}" type="datetimeFigureOut">
               <a:rPr lang="en-US" smtClean="0"/>
-              <a:t>2/13/2026</a:t>
+              <a:t>2/14/2026</a:t>
             </a:fld>
             <a:endParaRPr lang="en-US"/>
           </a:p>
@@ -8386,7 +8424,7 @@
           <a:p>
             <a:fld id="{C882E6FB-EB88-4936-BED9-9E37159958CA}" type="datetimeFigureOut">
               <a:rPr lang="en-US" smtClean="0"/>
-              <a:t>2/13/2026</a:t>
+              <a:t>2/14/2026</a:t>
             </a:fld>
             <a:endParaRPr lang="en-US"/>
           </a:p>
@@ -8697,7 +8735,7 @@
           <a:p>
             <a:fld id="{C882E6FB-EB88-4936-BED9-9E37159958CA}" type="datetimeFigureOut">
               <a:rPr lang="en-US" smtClean="0"/>
-              <a:t>2/13/2026</a:t>
+              <a:t>2/14/2026</a:t>
             </a:fld>
             <a:endParaRPr lang="en-US"/>
           </a:p>
@@ -8985,7 +9023,7 @@
           <a:p>
             <a:fld id="{C882E6FB-EB88-4936-BED9-9E37159958CA}" type="datetimeFigureOut">
               <a:rPr lang="en-US" smtClean="0"/>
-              <a:t>2/13/2026</a:t>
+              <a:t>2/14/2026</a:t>
             </a:fld>
             <a:endParaRPr lang="en-US"/>
           </a:p>
@@ -9226,7 +9264,7 @@
           <a:p>
             <a:fld id="{C882E6FB-EB88-4936-BED9-9E37159958CA}" type="datetimeFigureOut">
               <a:rPr lang="en-US" smtClean="0"/>
-              <a:t>2/13/2026</a:t>
+              <a:t>2/14/2026</a:t>
             </a:fld>
             <a:endParaRPr lang="en-US"/>
           </a:p>
@@ -10966,6 +11004,20 @@
             </a:r>
           </a:p>
           <a:p>
+            <a:pPr marL="342900" indent="-342900">
+              <a:buFont typeface="Arial" panose="020B0604020202020204" pitchFamily="34" charset="0"/>
+              <a:buChar char="•"/>
+            </a:pPr>
+            <a:r>
+              <a:rPr lang="en-US" dirty="0">
+                <a:solidFill>
+                  <a:schemeClr val="tx1"/>
+                </a:solidFill>
+              </a:rPr>
+              <a:t>Method to Leave a Club</a:t>
+            </a:r>
+          </a:p>
+          <a:p>
             <a:endParaRPr lang="en-US" dirty="0"/>
           </a:p>
         </p:txBody>
@@ -11331,6 +11383,28 @@
                 </a:solidFill>
               </a:rPr>
               <a:t>Public data only for friend view</a:t>
+            </a:r>
+          </a:p>
+          <a:p>
+            <a:pPr marL="342900" indent="-342900">
+              <a:buFont typeface="+mj-lt"/>
+              <a:buAutoNum type="arabicPeriod"/>
+            </a:pPr>
+            <a:r>
+              <a:rPr lang="en-US" sz="1900" dirty="0">
+                <a:solidFill>
+                  <a:schemeClr val="tx1"/>
+                </a:solidFill>
+              </a:rPr>
+              <a:t>Removing Club must </a:t>
+            </a:r>
+            <a:r>
+              <a:rPr lang="en-US" sz="1900">
+                <a:solidFill>
+                  <a:schemeClr val="tx1"/>
+                </a:solidFill>
+              </a:rPr>
+              <a:t>remove User ID’s</a:t>
             </a:r>
             <a:endParaRPr lang="en-US" sz="2000" dirty="0">
               <a:solidFill>
@@ -11590,10 +11664,26 @@
               </a:rPr>
               <a:t>New function to filter public on server side</a:t>
             </a:r>
-          </a:p>
-          <a:p>
-            <a:pPr algn="ctr"/>
             <a:endParaRPr lang="en-US" sz="1900" dirty="0">
+              <a:solidFill>
+                <a:schemeClr val="tx1"/>
+              </a:solidFill>
+            </a:endParaRPr>
+          </a:p>
+          <a:p>
+            <a:pPr marL="342900" indent="-342900">
+              <a:buFont typeface="+mj-lt"/>
+              <a:buAutoNum type="arabicPeriod"/>
+            </a:pPr>
+            <a:r>
+              <a:rPr lang="en-US" sz="1900" dirty="0">
+                <a:solidFill>
+                  <a:schemeClr val="tx1"/>
+                </a:solidFill>
+              </a:rPr>
+              <a:t>Creation of database logic to remove club members</a:t>
+            </a:r>
+            <a:endParaRPr lang="en-US" sz="2000" dirty="0">
               <a:solidFill>
                 <a:schemeClr val="tx1"/>
               </a:solidFill>

--- a/Documentation/Weekly Report/week5/CMSC-4920-Group2-Week5.pptx
+++ b/Documentation/Weekly Report/week5/CMSC-4920-Group2-Week5.pptx
@@ -6614,7 +6614,7 @@
           <a:p>
             <a:fld id="{C882E6FB-EB88-4936-BED9-9E37159958CA}" type="datetimeFigureOut">
               <a:rPr lang="en-US" smtClean="0"/>
-              <a:t>2/14/2026</a:t>
+              <a:t>2/15/2026</a:t>
             </a:fld>
             <a:endParaRPr lang="en-US"/>
           </a:p>
@@ -6812,7 +6812,7 @@
           <a:p>
             <a:fld id="{C882E6FB-EB88-4936-BED9-9E37159958CA}" type="datetimeFigureOut">
               <a:rPr lang="en-US" smtClean="0"/>
-              <a:t>2/14/2026</a:t>
+              <a:t>2/15/2026</a:t>
             </a:fld>
             <a:endParaRPr lang="en-US"/>
           </a:p>
@@ -7020,7 +7020,7 @@
           <a:p>
             <a:fld id="{C882E6FB-EB88-4936-BED9-9E37159958CA}" type="datetimeFigureOut">
               <a:rPr lang="en-US" smtClean="0"/>
-              <a:t>2/14/2026</a:t>
+              <a:t>2/15/2026</a:t>
             </a:fld>
             <a:endParaRPr lang="en-US"/>
           </a:p>
@@ -7218,7 +7218,7 @@
           <a:p>
             <a:fld id="{C882E6FB-EB88-4936-BED9-9E37159958CA}" type="datetimeFigureOut">
               <a:rPr lang="en-US" smtClean="0"/>
-              <a:t>2/14/2026</a:t>
+              <a:t>2/15/2026</a:t>
             </a:fld>
             <a:endParaRPr lang="en-US"/>
           </a:p>
@@ -7493,7 +7493,7 @@
           <a:p>
             <a:fld id="{C882E6FB-EB88-4936-BED9-9E37159958CA}" type="datetimeFigureOut">
               <a:rPr lang="en-US" smtClean="0"/>
-              <a:t>2/14/2026</a:t>
+              <a:t>2/15/2026</a:t>
             </a:fld>
             <a:endParaRPr lang="en-US"/>
           </a:p>
@@ -7758,7 +7758,7 @@
           <a:p>
             <a:fld id="{C882E6FB-EB88-4936-BED9-9E37159958CA}" type="datetimeFigureOut">
               <a:rPr lang="en-US" smtClean="0"/>
-              <a:t>2/14/2026</a:t>
+              <a:t>2/15/2026</a:t>
             </a:fld>
             <a:endParaRPr lang="en-US"/>
           </a:p>
@@ -8170,7 +8170,7 @@
           <a:p>
             <a:fld id="{C882E6FB-EB88-4936-BED9-9E37159958CA}" type="datetimeFigureOut">
               <a:rPr lang="en-US" smtClean="0"/>
-              <a:t>2/14/2026</a:t>
+              <a:t>2/15/2026</a:t>
             </a:fld>
             <a:endParaRPr lang="en-US"/>
           </a:p>
@@ -8311,7 +8311,7 @@
           <a:p>
             <a:fld id="{C882E6FB-EB88-4936-BED9-9E37159958CA}" type="datetimeFigureOut">
               <a:rPr lang="en-US" smtClean="0"/>
-              <a:t>2/14/2026</a:t>
+              <a:t>2/15/2026</a:t>
             </a:fld>
             <a:endParaRPr lang="en-US"/>
           </a:p>
@@ -8424,7 +8424,7 @@
           <a:p>
             <a:fld id="{C882E6FB-EB88-4936-BED9-9E37159958CA}" type="datetimeFigureOut">
               <a:rPr lang="en-US" smtClean="0"/>
-              <a:t>2/14/2026</a:t>
+              <a:t>2/15/2026</a:t>
             </a:fld>
             <a:endParaRPr lang="en-US"/>
           </a:p>
@@ -8735,7 +8735,7 @@
           <a:p>
             <a:fld id="{C882E6FB-EB88-4936-BED9-9E37159958CA}" type="datetimeFigureOut">
               <a:rPr lang="en-US" smtClean="0"/>
-              <a:t>2/14/2026</a:t>
+              <a:t>2/15/2026</a:t>
             </a:fld>
             <a:endParaRPr lang="en-US"/>
           </a:p>
@@ -9023,7 +9023,7 @@
           <a:p>
             <a:fld id="{C882E6FB-EB88-4936-BED9-9E37159958CA}" type="datetimeFigureOut">
               <a:rPr lang="en-US" smtClean="0"/>
-              <a:t>2/14/2026</a:t>
+              <a:t>2/15/2026</a:t>
             </a:fld>
             <a:endParaRPr lang="en-US"/>
           </a:p>
@@ -9264,7 +9264,7 @@
           <a:p>
             <a:fld id="{C882E6FB-EB88-4936-BED9-9E37159958CA}" type="datetimeFigureOut">
               <a:rPr lang="en-US" smtClean="0"/>
-              <a:t>2/14/2026</a:t>
+              <a:t>2/15/2026</a:t>
             </a:fld>
             <a:endParaRPr lang="en-US"/>
           </a:p>
@@ -11396,15 +11396,7 @@
                   <a:schemeClr val="tx1"/>
                 </a:solidFill>
               </a:rPr>
-              <a:t>Removing Club must </a:t>
-            </a:r>
-            <a:r>
-              <a:rPr lang="en-US" sz="1900">
-                <a:solidFill>
-                  <a:schemeClr val="tx1"/>
-                </a:solidFill>
-              </a:rPr>
-              <a:t>remove User ID’s</a:t>
+              <a:t>Dynamic route handling</a:t>
             </a:r>
             <a:endParaRPr lang="en-US" sz="2000" dirty="0">
               <a:solidFill>
@@ -11681,7 +11673,7 @@
                   <a:schemeClr val="tx1"/>
                 </a:solidFill>
               </a:rPr>
-              <a:t>Creation of database logic to remove club members</a:t>
+              <a:t>Had to create a new route handler that can take parameters</a:t>
             </a:r>
             <a:endParaRPr lang="en-US" sz="2000" dirty="0">
               <a:solidFill>

--- a/Documentation/Weekly Report/week5/CMSC-4920-Group2-Week5.pptx
+++ b/Documentation/Weekly Report/week5/CMSC-4920-Group2-Week5.pptx
@@ -119,16 +119,32 @@
 </p:presentation>
 </file>
 
-<file path=ppt/revisionInfo.xml><?xml version="1.0" encoding="utf-8"?>
-<p1510:revInfo xmlns:a="http://schemas.openxmlformats.org/drawingml/2006/main" xmlns:r="http://schemas.openxmlformats.org/officeDocument/2006/relationships" xmlns:p1510="http://schemas.microsoft.com/office/powerpoint/2015/10/main">
-  <p1510:revLst>
-    <p1510:client id="{B4E2CAA6-2A69-4304-B398-B23441DE3BEA}" v="27" dt="2026-02-13T23:06:23.302"/>
-  </p1510:revLst>
-</p1510:revInfo>
-</file>
-
 <file path=ppt/changesInfos/changesInfo1.xml><?xml version="1.0" encoding="utf-8"?>
 <pc:chgInfo xmlns:a="http://schemas.openxmlformats.org/drawingml/2006/main" xmlns:r="http://schemas.openxmlformats.org/officeDocument/2006/relationships" xmlns:ac="http://schemas.microsoft.com/office/drawing/2013/main/command" xmlns:pc="http://schemas.microsoft.com/office/powerpoint/2013/main/command">
+  <pc:docChgLst>
+    <pc:chgData name="John Gerega" userId="bd3e1e46fb6a714b" providerId="LiveId" clId="{45F0C402-C550-4C82-B31D-5B32217A5E94}"/>
+    <pc:docChg chg="modSld">
+      <pc:chgData name="John Gerega" userId="bd3e1e46fb6a714b" providerId="LiveId" clId="{45F0C402-C550-4C82-B31D-5B32217A5E94}" dt="2026-02-17T12:42:35.112" v="95" actId="20577"/>
+      <pc:docMkLst>
+        <pc:docMk/>
+      </pc:docMkLst>
+      <pc:sldChg chg="modSp mod">
+        <pc:chgData name="John Gerega" userId="bd3e1e46fb6a714b" providerId="LiveId" clId="{45F0C402-C550-4C82-B31D-5B32217A5E94}" dt="2026-02-17T12:42:35.112" v="95" actId="20577"/>
+        <pc:sldMkLst>
+          <pc:docMk/>
+          <pc:sldMk cId="2428741132" sldId="265"/>
+        </pc:sldMkLst>
+        <pc:spChg chg="mod">
+          <ac:chgData name="John Gerega" userId="bd3e1e46fb6a714b" providerId="LiveId" clId="{45F0C402-C550-4C82-B31D-5B32217A5E94}" dt="2026-02-17T12:42:35.112" v="95" actId="20577"/>
+          <ac:spMkLst>
+            <pc:docMk/>
+            <pc:sldMk cId="2428741132" sldId="265"/>
+            <ac:spMk id="8" creationId="{7A067979-B2B3-BD33-28AB-42AF2BBE1977}"/>
+          </ac:spMkLst>
+        </pc:spChg>
+      </pc:sldChg>
+    </pc:docChg>
+  </pc:docChgLst>
   <pc:docChgLst>
     <pc:chgData name="Margo Bonal" userId="18c9fa0f-b53d-478b-9dc0-6ad88786c19f" providerId="ADAL" clId="{93D479E5-F67F-4B8A-A78F-A0B574A116B6}"/>
     <pc:docChg chg="undo custSel addSld modSld">
@@ -447,54 +463,6 @@
           <pc:docMk/>
           <pc:sldMk cId="2065992260" sldId="258"/>
         </pc:sldMkLst>
-        <pc:spChg chg="del mod">
-          <ac:chgData name="Margo Bonal" userId="18c9fa0f-b53d-478b-9dc0-6ad88786c19f" providerId="ADAL" clId="{57E2D5E0-CA32-47BE-A2DC-7B0365E99328}" dt="2026-02-13T23:00:52.257" v="485" actId="21"/>
-          <ac:spMkLst>
-            <pc:docMk/>
-            <pc:sldMk cId="2065992260" sldId="258"/>
-            <ac:spMk id="2" creationId="{B52B4F14-C2F3-2702-E62F-43E26432FC8F}"/>
-          </ac:spMkLst>
-        </pc:spChg>
-        <pc:spChg chg="del mod">
-          <ac:chgData name="Margo Bonal" userId="18c9fa0f-b53d-478b-9dc0-6ad88786c19f" providerId="ADAL" clId="{57E2D5E0-CA32-47BE-A2DC-7B0365E99328}" dt="2026-02-13T23:01:00.729" v="488" actId="21"/>
-          <ac:spMkLst>
-            <pc:docMk/>
-            <pc:sldMk cId="2065992260" sldId="258"/>
-            <ac:spMk id="3" creationId="{46DAFCA3-7D8B-DC32-596B-47BF8F22822B}"/>
-          </ac:spMkLst>
-        </pc:spChg>
-        <pc:spChg chg="del mod">
-          <ac:chgData name="Margo Bonal" userId="18c9fa0f-b53d-478b-9dc0-6ad88786c19f" providerId="ADAL" clId="{57E2D5E0-CA32-47BE-A2DC-7B0365E99328}" dt="2026-02-13T23:01:02.801" v="489" actId="21"/>
-          <ac:spMkLst>
-            <pc:docMk/>
-            <pc:sldMk cId="2065992260" sldId="258"/>
-            <ac:spMk id="4" creationId="{D4FC81F2-19C5-6921-39F4-55F392F4EF54}"/>
-          </ac:spMkLst>
-        </pc:spChg>
-        <pc:spChg chg="del mod">
-          <ac:chgData name="Margo Bonal" userId="18c9fa0f-b53d-478b-9dc0-6ad88786c19f" providerId="ADAL" clId="{57E2D5E0-CA32-47BE-A2DC-7B0365E99328}" dt="2026-02-13T23:00:54.497" v="486" actId="21"/>
-          <ac:spMkLst>
-            <pc:docMk/>
-            <pc:sldMk cId="2065992260" sldId="258"/>
-            <ac:spMk id="7" creationId="{8D32A414-77D0-9D8A-9871-A36DB5D41908}"/>
-          </ac:spMkLst>
-        </pc:spChg>
-        <pc:spChg chg="add del mod">
-          <ac:chgData name="Margo Bonal" userId="18c9fa0f-b53d-478b-9dc0-6ad88786c19f" providerId="ADAL" clId="{57E2D5E0-CA32-47BE-A2DC-7B0365E99328}" dt="2026-02-13T23:00:58.440" v="487" actId="21"/>
-          <ac:spMkLst>
-            <pc:docMk/>
-            <pc:sldMk cId="2065992260" sldId="258"/>
-            <ac:spMk id="9" creationId="{EE718146-8455-8CD6-C814-3413B7B629A7}"/>
-          </ac:spMkLst>
-        </pc:spChg>
-        <pc:spChg chg="add del mod">
-          <ac:chgData name="Margo Bonal" userId="18c9fa0f-b53d-478b-9dc0-6ad88786c19f" providerId="ADAL" clId="{57E2D5E0-CA32-47BE-A2DC-7B0365E99328}" dt="2026-02-13T23:01:05.004" v="490" actId="21"/>
-          <ac:spMkLst>
-            <pc:docMk/>
-            <pc:sldMk cId="2065992260" sldId="258"/>
-            <ac:spMk id="13" creationId="{6AD0F8E9-3AAD-FD35-D227-EE07D2DE1D36}"/>
-          </ac:spMkLst>
-        </pc:spChg>
         <pc:spChg chg="add mod">
           <ac:chgData name="Margo Bonal" userId="18c9fa0f-b53d-478b-9dc0-6ad88786c19f" providerId="ADAL" clId="{57E2D5E0-CA32-47BE-A2DC-7B0365E99328}" dt="2026-02-13T23:01:24.470" v="495" actId="1076"/>
           <ac:spMkLst>
@@ -526,131 +494,6 @@
             <ac:picMk id="5" creationId="{30D9BB01-16EE-371C-49E8-833A93D92451}"/>
           </ac:picMkLst>
         </pc:picChg>
-        <pc:picChg chg="del">
-          <ac:chgData name="Margo Bonal" userId="18c9fa0f-b53d-478b-9dc0-6ad88786c19f" providerId="ADAL" clId="{57E2D5E0-CA32-47BE-A2DC-7B0365E99328}" dt="2026-02-13T22:39:04.808" v="0" actId="478"/>
-          <ac:picMkLst>
-            <pc:docMk/>
-            <pc:sldMk cId="3713997872" sldId="259"/>
-            <ac:picMk id="6" creationId="{C1CF0394-4A20-0FB1-F6CC-606ADAD6FC83}"/>
-          </ac:picMkLst>
-        </pc:picChg>
-      </pc:sldChg>
-      <pc:sldChg chg="addSp delSp modSp new del mod">
-        <pc:chgData name="Margo Bonal" userId="18c9fa0f-b53d-478b-9dc0-6ad88786c19f" providerId="ADAL" clId="{57E2D5E0-CA32-47BE-A2DC-7B0365E99328}" dt="2026-02-13T23:01:27.793" v="496" actId="2696"/>
-        <pc:sldMkLst>
-          <pc:docMk/>
-          <pc:sldMk cId="1026193729" sldId="261"/>
-        </pc:sldMkLst>
-        <pc:spChg chg="del">
-          <ac:chgData name="Margo Bonal" userId="18c9fa0f-b53d-478b-9dc0-6ad88786c19f" providerId="ADAL" clId="{57E2D5E0-CA32-47BE-A2DC-7B0365E99328}" dt="2026-02-13T22:39:43.439" v="7" actId="21"/>
-          <ac:spMkLst>
-            <pc:docMk/>
-            <pc:sldMk cId="1026193729" sldId="261"/>
-            <ac:spMk id="2" creationId="{F8181C19-E016-A43C-3C01-A73933199573}"/>
-          </ac:spMkLst>
-        </pc:spChg>
-        <pc:spChg chg="add mod">
-          <ac:chgData name="Margo Bonal" userId="18c9fa0f-b53d-478b-9dc0-6ad88786c19f" providerId="ADAL" clId="{57E2D5E0-CA32-47BE-A2DC-7B0365E99328}" dt="2026-02-13T23:01:17.939" v="493" actId="478"/>
-          <ac:spMkLst>
-            <pc:docMk/>
-            <pc:sldMk cId="1026193729" sldId="261"/>
-            <ac:spMk id="3" creationId="{75205F46-E7A1-B2D5-7533-00FE43EE8394}"/>
-          </ac:spMkLst>
-        </pc:spChg>
-        <pc:spChg chg="del">
-          <ac:chgData name="Margo Bonal" userId="18c9fa0f-b53d-478b-9dc0-6ad88786c19f" providerId="ADAL" clId="{57E2D5E0-CA32-47BE-A2DC-7B0365E99328}" dt="2026-02-13T22:39:48.444" v="8" actId="21"/>
-          <ac:spMkLst>
-            <pc:docMk/>
-            <pc:sldMk cId="1026193729" sldId="261"/>
-            <ac:spMk id="3" creationId="{FD3D9ADF-7D2D-DA33-A71B-FF3E91D45748}"/>
-          </ac:spMkLst>
-        </pc:spChg>
-        <pc:spChg chg="add del mod">
-          <ac:chgData name="Margo Bonal" userId="18c9fa0f-b53d-478b-9dc0-6ad88786c19f" providerId="ADAL" clId="{57E2D5E0-CA32-47BE-A2DC-7B0365E99328}" dt="2026-02-13T23:01:17.939" v="493" actId="478"/>
-          <ac:spMkLst>
-            <pc:docMk/>
-            <pc:sldMk cId="1026193729" sldId="261"/>
-            <ac:spMk id="5" creationId="{4E73DF49-B107-9251-B005-C54122F0A6C0}"/>
-          </ac:spMkLst>
-        </pc:spChg>
-        <pc:graphicFrameChg chg="add mod modGraphic">
-          <ac:chgData name="Margo Bonal" userId="18c9fa0f-b53d-478b-9dc0-6ad88786c19f" providerId="ADAL" clId="{57E2D5E0-CA32-47BE-A2DC-7B0365E99328}" dt="2026-02-13T22:46:46.642" v="185" actId="27349"/>
-          <ac:graphicFrameMkLst>
-            <pc:docMk/>
-            <pc:sldMk cId="1026193729" sldId="261"/>
-            <ac:graphicFrameMk id="4" creationId="{CBF0922E-DD71-47C6-9AD9-D6496C6A7258}"/>
-          </ac:graphicFrameMkLst>
-        </pc:graphicFrameChg>
-      </pc:sldChg>
-      <pc:sldChg chg="modSp new del mod">
-        <pc:chgData name="Margo Bonal" userId="18c9fa0f-b53d-478b-9dc0-6ad88786c19f" providerId="ADAL" clId="{57E2D5E0-CA32-47BE-A2DC-7B0365E99328}" dt="2026-02-13T22:45:00.419" v="171" actId="2696"/>
-        <pc:sldMkLst>
-          <pc:docMk/>
-          <pc:sldMk cId="1201583295" sldId="262"/>
-        </pc:sldMkLst>
-        <pc:spChg chg="mod">
-          <ac:chgData name="Margo Bonal" userId="18c9fa0f-b53d-478b-9dc0-6ad88786c19f" providerId="ADAL" clId="{57E2D5E0-CA32-47BE-A2DC-7B0365E99328}" dt="2026-02-13T22:42:56.999" v="149" actId="14100"/>
-          <ac:spMkLst>
-            <pc:docMk/>
-            <pc:sldMk cId="1201583295" sldId="262"/>
-            <ac:spMk id="2" creationId="{38A3E8F7-2F88-773F-09EC-2759648AF5BB}"/>
-          </ac:spMkLst>
-        </pc:spChg>
-        <pc:spChg chg="mod">
-          <ac:chgData name="Margo Bonal" userId="18c9fa0f-b53d-478b-9dc0-6ad88786c19f" providerId="ADAL" clId="{57E2D5E0-CA32-47BE-A2DC-7B0365E99328}" dt="2026-02-13T22:41:25.618" v="85" actId="313"/>
-          <ac:spMkLst>
-            <pc:docMk/>
-            <pc:sldMk cId="1201583295" sldId="262"/>
-            <ac:spMk id="3" creationId="{070B16FC-F61D-C430-37C8-E70F64166B73}"/>
-          </ac:spMkLst>
-        </pc:spChg>
-      </pc:sldChg>
-      <pc:sldChg chg="addSp delSp modSp new del mod">
-        <pc:chgData name="Margo Bonal" userId="18c9fa0f-b53d-478b-9dc0-6ad88786c19f" providerId="ADAL" clId="{57E2D5E0-CA32-47BE-A2DC-7B0365E99328}" dt="2026-02-13T22:51:28.905" v="224" actId="2696"/>
-        <pc:sldMkLst>
-          <pc:docMk/>
-          <pc:sldMk cId="2616558174" sldId="263"/>
-        </pc:sldMkLst>
-        <pc:spChg chg="mod">
-          <ac:chgData name="Margo Bonal" userId="18c9fa0f-b53d-478b-9dc0-6ad88786c19f" providerId="ADAL" clId="{57E2D5E0-CA32-47BE-A2DC-7B0365E99328}" dt="2026-02-13T22:49:56.411" v="197" actId="1076"/>
-          <ac:spMkLst>
-            <pc:docMk/>
-            <pc:sldMk cId="2616558174" sldId="263"/>
-            <ac:spMk id="2" creationId="{09247681-9DD2-AC15-5155-A5E46CF79BDC}"/>
-          </ac:spMkLst>
-        </pc:spChg>
-        <pc:spChg chg="add del mod">
-          <ac:chgData name="Margo Bonal" userId="18c9fa0f-b53d-478b-9dc0-6ad88786c19f" providerId="ADAL" clId="{57E2D5E0-CA32-47BE-A2DC-7B0365E99328}" dt="2026-02-13T22:49:46.679" v="195" actId="14100"/>
-          <ac:spMkLst>
-            <pc:docMk/>
-            <pc:sldMk cId="2616558174" sldId="263"/>
-            <ac:spMk id="3" creationId="{C29FCB44-8F65-D15D-1EDA-FD3023359FC7}"/>
-          </ac:spMkLst>
-        </pc:spChg>
-        <pc:spChg chg="add del mod">
-          <ac:chgData name="Margo Bonal" userId="18c9fa0f-b53d-478b-9dc0-6ad88786c19f" providerId="ADAL" clId="{57E2D5E0-CA32-47BE-A2DC-7B0365E99328}" dt="2026-02-13T22:50:55.556" v="215" actId="21"/>
-          <ac:spMkLst>
-            <pc:docMk/>
-            <pc:sldMk cId="2616558174" sldId="263"/>
-            <ac:spMk id="4" creationId="{2AA37DE7-11F5-631E-C534-AA9BEB66FDC8}"/>
-          </ac:spMkLst>
-        </pc:spChg>
-        <pc:graphicFrameChg chg="add del">
-          <ac:chgData name="Margo Bonal" userId="18c9fa0f-b53d-478b-9dc0-6ad88786c19f" providerId="ADAL" clId="{57E2D5E0-CA32-47BE-A2DC-7B0365E99328}" dt="2026-02-13T22:43:46.427" v="156" actId="26606"/>
-          <ac:graphicFrameMkLst>
-            <pc:docMk/>
-            <pc:sldMk cId="2616558174" sldId="263"/>
-            <ac:graphicFrameMk id="6" creationId="{5B800C08-05B9-6DDF-BFAA-578B16B009FC}"/>
-          </ac:graphicFrameMkLst>
-        </pc:graphicFrameChg>
-        <pc:graphicFrameChg chg="add del">
-          <ac:chgData name="Margo Bonal" userId="18c9fa0f-b53d-478b-9dc0-6ad88786c19f" providerId="ADAL" clId="{57E2D5E0-CA32-47BE-A2DC-7B0365E99328}" dt="2026-02-13T22:43:50.365" v="158" actId="26606"/>
-          <ac:graphicFrameMkLst>
-            <pc:docMk/>
-            <pc:sldMk cId="2616558174" sldId="263"/>
-            <ac:graphicFrameMk id="8" creationId="{7688B1DF-FFE7-5DB3-59C8-E0D63E62F14D}"/>
-          </ac:graphicFrameMkLst>
-        </pc:graphicFrameChg>
       </pc:sldChg>
       <pc:sldChg chg="addSp delSp modSp add mod ord">
         <pc:chgData name="Margo Bonal" userId="18c9fa0f-b53d-478b-9dc0-6ad88786c19f" providerId="ADAL" clId="{57E2D5E0-CA32-47BE-A2DC-7B0365E99328}" dt="2026-02-13T23:06:23.287" v="617" actId="12100"/>
@@ -658,60 +501,12 @@
           <pc:docMk/>
           <pc:sldMk cId="2561402868" sldId="264"/>
         </pc:sldMkLst>
-        <pc:spChg chg="del">
-          <ac:chgData name="Margo Bonal" userId="18c9fa0f-b53d-478b-9dc0-6ad88786c19f" providerId="ADAL" clId="{57E2D5E0-CA32-47BE-A2DC-7B0365E99328}" dt="2026-02-13T22:44:35.229" v="164" actId="478"/>
-          <ac:spMkLst>
-            <pc:docMk/>
-            <pc:sldMk cId="2561402868" sldId="264"/>
-            <ac:spMk id="2" creationId="{883778A2-872B-40A7-0F50-5B3030F032D7}"/>
-          </ac:spMkLst>
-        </pc:spChg>
-        <pc:spChg chg="del">
-          <ac:chgData name="Margo Bonal" userId="18c9fa0f-b53d-478b-9dc0-6ad88786c19f" providerId="ADAL" clId="{57E2D5E0-CA32-47BE-A2DC-7B0365E99328}" dt="2026-02-13T22:44:41.506" v="166" actId="21"/>
-          <ac:spMkLst>
-            <pc:docMk/>
-            <pc:sldMk cId="2561402868" sldId="264"/>
-            <ac:spMk id="3" creationId="{D071EECD-0A0B-0BD1-3BB7-E9C1DAF89C79}"/>
-          </ac:spMkLst>
-        </pc:spChg>
-        <pc:spChg chg="add del mod">
-          <ac:chgData name="Margo Bonal" userId="18c9fa0f-b53d-478b-9dc0-6ad88786c19f" providerId="ADAL" clId="{57E2D5E0-CA32-47BE-A2DC-7B0365E99328}" dt="2026-02-13T22:44:39.308" v="165" actId="21"/>
-          <ac:spMkLst>
-            <pc:docMk/>
-            <pc:sldMk cId="2561402868" sldId="264"/>
-            <ac:spMk id="5" creationId="{EB05B9FB-9582-C6F4-39A3-BB5181342414}"/>
-          </ac:spMkLst>
-        </pc:spChg>
-        <pc:spChg chg="add del mod">
-          <ac:chgData name="Margo Bonal" userId="18c9fa0f-b53d-478b-9dc0-6ad88786c19f" providerId="ADAL" clId="{57E2D5E0-CA32-47BE-A2DC-7B0365E99328}" dt="2026-02-13T22:44:45.276" v="167" actId="21"/>
-          <ac:spMkLst>
-            <pc:docMk/>
-            <pc:sldMk cId="2561402868" sldId="264"/>
-            <ac:spMk id="7" creationId="{38BCA286-EB04-23AB-680E-79F33EAC6FC1}"/>
-          </ac:spMkLst>
-        </pc:spChg>
-        <pc:spChg chg="add mod">
-          <ac:chgData name="Margo Bonal" userId="18c9fa0f-b53d-478b-9dc0-6ad88786c19f" providerId="ADAL" clId="{57E2D5E0-CA32-47BE-A2DC-7B0365E99328}" dt="2026-02-13T22:44:46.336" v="168"/>
-          <ac:spMkLst>
-            <pc:docMk/>
-            <pc:sldMk cId="2561402868" sldId="264"/>
-            <ac:spMk id="8" creationId="{38BCA286-EB04-23AB-680E-79F33EAC6FC1}"/>
-          </ac:spMkLst>
-        </pc:spChg>
         <pc:spChg chg="add mod">
           <ac:chgData name="Margo Bonal" userId="18c9fa0f-b53d-478b-9dc0-6ad88786c19f" providerId="ADAL" clId="{57E2D5E0-CA32-47BE-A2DC-7B0365E99328}" dt="2026-02-13T22:45:18.658" v="172" actId="1076"/>
           <ac:spMkLst>
             <pc:docMk/>
             <pc:sldMk cId="2561402868" sldId="264"/>
             <ac:spMk id="9" creationId="{D6D36DC8-D9BF-8C26-69EA-ED89E34DB644}"/>
-          </ac:spMkLst>
-        </pc:spChg>
-        <pc:spChg chg="add del mod">
-          <ac:chgData name="Margo Bonal" userId="18c9fa0f-b53d-478b-9dc0-6ad88786c19f" providerId="ADAL" clId="{57E2D5E0-CA32-47BE-A2DC-7B0365E99328}" dt="2026-02-13T23:06:02.703" v="615" actId="26606"/>
-          <ac:spMkLst>
-            <pc:docMk/>
-            <pc:sldMk cId="2561402868" sldId="264"/>
-            <ac:spMk id="10" creationId="{37391A0B-AD6D-23D9-6593-56BF2778C84D}"/>
           </ac:spMkLst>
         </pc:spChg>
         <pc:graphicFrameChg chg="add mod">
@@ -729,14 +524,6 @@
           <pc:docMk/>
           <pc:sldMk cId="2428741132" sldId="265"/>
         </pc:sldMkLst>
-        <pc:spChg chg="del">
-          <ac:chgData name="Margo Bonal" userId="18c9fa0f-b53d-478b-9dc0-6ad88786c19f" providerId="ADAL" clId="{57E2D5E0-CA32-47BE-A2DC-7B0365E99328}" dt="2026-02-13T22:50:32.593" v="207" actId="21"/>
-          <ac:spMkLst>
-            <pc:docMk/>
-            <pc:sldMk cId="2428741132" sldId="265"/>
-            <ac:spMk id="2" creationId="{1F69E22D-45FE-2DDF-ED88-31E018D6B3AD}"/>
-          </ac:spMkLst>
-        </pc:spChg>
         <pc:spChg chg="mod">
           <ac:chgData name="Margo Bonal" userId="18c9fa0f-b53d-478b-9dc0-6ad88786c19f" providerId="ADAL" clId="{57E2D5E0-CA32-47BE-A2DC-7B0365E99328}" dt="2026-02-13T22:51:00.114" v="220" actId="20577"/>
           <ac:spMkLst>
@@ -753,14 +540,6 @@
             <ac:spMk id="4" creationId="{A5AF426B-43FF-4BB7-086D-F7F73A587A96}"/>
           </ac:spMkLst>
         </pc:spChg>
-        <pc:spChg chg="add del mod">
-          <ac:chgData name="Margo Bonal" userId="18c9fa0f-b53d-478b-9dc0-6ad88786c19f" providerId="ADAL" clId="{57E2D5E0-CA32-47BE-A2DC-7B0365E99328}" dt="2026-02-13T22:50:41.116" v="210" actId="21"/>
-          <ac:spMkLst>
-            <pc:docMk/>
-            <pc:sldMk cId="2428741132" sldId="265"/>
-            <ac:spMk id="7" creationId="{73BF44A3-903E-8344-2671-771520432782}"/>
-          </ac:spMkLst>
-        </pc:spChg>
         <pc:spChg chg="add mod">
           <ac:chgData name="Margo Bonal" userId="18c9fa0f-b53d-478b-9dc0-6ad88786c19f" providerId="ADAL" clId="{57E2D5E0-CA32-47BE-A2DC-7B0365E99328}" dt="2026-02-13T23:05:21.139" v="588" actId="313"/>
           <ac:spMkLst>
@@ -769,14 +548,6 @@
             <ac:spMk id="8" creationId="{7A067979-B2B3-BD33-28AB-42AF2BBE1977}"/>
           </ac:spMkLst>
         </pc:spChg>
-        <pc:picChg chg="del">
-          <ac:chgData name="Margo Bonal" userId="18c9fa0f-b53d-478b-9dc0-6ad88786c19f" providerId="ADAL" clId="{57E2D5E0-CA32-47BE-A2DC-7B0365E99328}" dt="2026-02-13T22:50:17.905" v="203" actId="478"/>
-          <ac:picMkLst>
-            <pc:docMk/>
-            <pc:sldMk cId="2428741132" sldId="265"/>
-            <ac:picMk id="5" creationId="{80DBD744-E4D6-4975-0CFD-F44E4F6D4E4F}"/>
-          </ac:picMkLst>
-        </pc:picChg>
       </pc:sldChg>
       <pc:sldChg chg="addSp delSp modSp add mod ord">
         <pc:chgData name="Margo Bonal" userId="18c9fa0f-b53d-478b-9dc0-6ad88786c19f" providerId="ADAL" clId="{57E2D5E0-CA32-47BE-A2DC-7B0365E99328}" dt="2026-02-13T23:02:06.751" v="514" actId="20577"/>
@@ -784,14 +555,6 @@
           <pc:docMk/>
           <pc:sldMk cId="3526335932" sldId="266"/>
         </pc:sldMkLst>
-        <pc:spChg chg="add del mod">
-          <ac:chgData name="Margo Bonal" userId="18c9fa0f-b53d-478b-9dc0-6ad88786c19f" providerId="ADAL" clId="{57E2D5E0-CA32-47BE-A2DC-7B0365E99328}" dt="2026-02-13T23:00:09.558" v="477" actId="21"/>
-          <ac:spMkLst>
-            <pc:docMk/>
-            <pc:sldMk cId="3526335932" sldId="266"/>
-            <ac:spMk id="3" creationId="{BF7DB8FD-5672-4ADD-8A65-506BC5B62D0E}"/>
-          </ac:spMkLst>
-        </pc:spChg>
         <pc:spChg chg="add mod">
           <ac:chgData name="Margo Bonal" userId="18c9fa0f-b53d-478b-9dc0-6ad88786c19f" providerId="ADAL" clId="{57E2D5E0-CA32-47BE-A2DC-7B0365E99328}" dt="2026-02-13T23:01:39.877" v="499" actId="14100"/>
           <ac:spMkLst>
@@ -808,36 +571,12 @@
             <ac:spMk id="5" creationId="{E40DC201-0466-5D58-2422-48A1842C6A76}"/>
           </ac:spMkLst>
         </pc:spChg>
-        <pc:spChg chg="add del mod">
-          <ac:chgData name="Margo Bonal" userId="18c9fa0f-b53d-478b-9dc0-6ad88786c19f" providerId="ADAL" clId="{57E2D5E0-CA32-47BE-A2DC-7B0365E99328}" dt="2026-02-13T23:00:30.069" v="482" actId="21"/>
-          <ac:spMkLst>
-            <pc:docMk/>
-            <pc:sldMk cId="3526335932" sldId="266"/>
-            <ac:spMk id="7" creationId="{94275E71-8A3F-C66E-848C-F0395B3C5B6E}"/>
-          </ac:spMkLst>
-        </pc:spChg>
         <pc:spChg chg="add mod">
           <ac:chgData name="Margo Bonal" userId="18c9fa0f-b53d-478b-9dc0-6ad88786c19f" providerId="ADAL" clId="{57E2D5E0-CA32-47BE-A2DC-7B0365E99328}" dt="2026-02-13T23:01:33.171" v="497" actId="1076"/>
           <ac:spMkLst>
             <pc:docMk/>
             <pc:sldMk cId="3526335932" sldId="266"/>
             <ac:spMk id="8" creationId="{24AA2B82-D640-63C8-0949-8D61BA43585E}"/>
-          </ac:spMkLst>
-        </pc:spChg>
-        <pc:spChg chg="del">
-          <ac:chgData name="Margo Bonal" userId="18c9fa0f-b53d-478b-9dc0-6ad88786c19f" providerId="ADAL" clId="{57E2D5E0-CA32-47BE-A2DC-7B0365E99328}" dt="2026-02-13T23:00:27.628" v="481" actId="21"/>
-          <ac:spMkLst>
-            <pc:docMk/>
-            <pc:sldMk cId="3526335932" sldId="266"/>
-            <ac:spMk id="9" creationId="{60D663A2-FC4D-1349-BA36-A3798A3294BA}"/>
-          </ac:spMkLst>
-        </pc:spChg>
-        <pc:spChg chg="del">
-          <ac:chgData name="Margo Bonal" userId="18c9fa0f-b53d-478b-9dc0-6ad88786c19f" providerId="ADAL" clId="{57E2D5E0-CA32-47BE-A2DC-7B0365E99328}" dt="2026-02-13T23:00:06.484" v="476" actId="21"/>
-          <ac:spMkLst>
-            <pc:docMk/>
-            <pc:sldMk cId="3526335932" sldId="266"/>
-            <ac:spMk id="10" creationId="{135DED68-2CA7-4ADD-046C-DF98E816A7D1}"/>
           </ac:spMkLst>
         </pc:spChg>
         <pc:spChg chg="add mod">
@@ -6614,7 +6353,7 @@
           <a:p>
             <a:fld id="{C882E6FB-EB88-4936-BED9-9E37159958CA}" type="datetimeFigureOut">
               <a:rPr lang="en-US" smtClean="0"/>
-              <a:t>2/15/2026</a:t>
+              <a:t>2/17/2026</a:t>
             </a:fld>
             <a:endParaRPr lang="en-US"/>
           </a:p>
@@ -6812,7 +6551,7 @@
           <a:p>
             <a:fld id="{C882E6FB-EB88-4936-BED9-9E37159958CA}" type="datetimeFigureOut">
               <a:rPr lang="en-US" smtClean="0"/>
-              <a:t>2/15/2026</a:t>
+              <a:t>2/17/2026</a:t>
             </a:fld>
             <a:endParaRPr lang="en-US"/>
           </a:p>
@@ -7020,7 +6759,7 @@
           <a:p>
             <a:fld id="{C882E6FB-EB88-4936-BED9-9E37159958CA}" type="datetimeFigureOut">
               <a:rPr lang="en-US" smtClean="0"/>
-              <a:t>2/15/2026</a:t>
+              <a:t>2/17/2026</a:t>
             </a:fld>
             <a:endParaRPr lang="en-US"/>
           </a:p>
@@ -7218,7 +6957,7 @@
           <a:p>
             <a:fld id="{C882E6FB-EB88-4936-BED9-9E37159958CA}" type="datetimeFigureOut">
               <a:rPr lang="en-US" smtClean="0"/>
-              <a:t>2/15/2026</a:t>
+              <a:t>2/17/2026</a:t>
             </a:fld>
             <a:endParaRPr lang="en-US"/>
           </a:p>
@@ -7493,7 +7232,7 @@
           <a:p>
             <a:fld id="{C882E6FB-EB88-4936-BED9-9E37159958CA}" type="datetimeFigureOut">
               <a:rPr lang="en-US" smtClean="0"/>
-              <a:t>2/15/2026</a:t>
+              <a:t>2/17/2026</a:t>
             </a:fld>
             <a:endParaRPr lang="en-US"/>
           </a:p>
@@ -7758,7 +7497,7 @@
           <a:p>
             <a:fld id="{C882E6FB-EB88-4936-BED9-9E37159958CA}" type="datetimeFigureOut">
               <a:rPr lang="en-US" smtClean="0"/>
-              <a:t>2/15/2026</a:t>
+              <a:t>2/17/2026</a:t>
             </a:fld>
             <a:endParaRPr lang="en-US"/>
           </a:p>
@@ -8170,7 +7909,7 @@
           <a:p>
             <a:fld id="{C882E6FB-EB88-4936-BED9-9E37159958CA}" type="datetimeFigureOut">
               <a:rPr lang="en-US" smtClean="0"/>
-              <a:t>2/15/2026</a:t>
+              <a:t>2/17/2026</a:t>
             </a:fld>
             <a:endParaRPr lang="en-US"/>
           </a:p>
@@ -8311,7 +8050,7 @@
           <a:p>
             <a:fld id="{C882E6FB-EB88-4936-BED9-9E37159958CA}" type="datetimeFigureOut">
               <a:rPr lang="en-US" smtClean="0"/>
-              <a:t>2/15/2026</a:t>
+              <a:t>2/17/2026</a:t>
             </a:fld>
             <a:endParaRPr lang="en-US"/>
           </a:p>
@@ -8424,7 +8163,7 @@
           <a:p>
             <a:fld id="{C882E6FB-EB88-4936-BED9-9E37159958CA}" type="datetimeFigureOut">
               <a:rPr lang="en-US" smtClean="0"/>
-              <a:t>2/15/2026</a:t>
+              <a:t>2/17/2026</a:t>
             </a:fld>
             <a:endParaRPr lang="en-US"/>
           </a:p>
@@ -8735,7 +8474,7 @@
           <a:p>
             <a:fld id="{C882E6FB-EB88-4936-BED9-9E37159958CA}" type="datetimeFigureOut">
               <a:rPr lang="en-US" smtClean="0"/>
-              <a:t>2/15/2026</a:t>
+              <a:t>2/17/2026</a:t>
             </a:fld>
             <a:endParaRPr lang="en-US"/>
           </a:p>
@@ -9023,7 +8762,7 @@
           <a:p>
             <a:fld id="{C882E6FB-EB88-4936-BED9-9E37159958CA}" type="datetimeFigureOut">
               <a:rPr lang="en-US" smtClean="0"/>
-              <a:t>2/15/2026</a:t>
+              <a:t>2/17/2026</a:t>
             </a:fld>
             <a:endParaRPr lang="en-US"/>
           </a:p>
@@ -9264,7 +9003,7 @@
           <a:p>
             <a:fld id="{C882E6FB-EB88-4936-BED9-9E37159958CA}" type="datetimeFigureOut">
               <a:rPr lang="en-US" smtClean="0"/>
-              <a:t>2/15/2026</a:t>
+              <a:t>2/17/2026</a:t>
             </a:fld>
             <a:endParaRPr lang="en-US"/>
           </a:p>
@@ -10958,7 +10697,7 @@
                   <a:schemeClr val="tx1"/>
                 </a:solidFill>
               </a:rPr>
-              <a:t>Continue Club Page development</a:t>
+              <a:t>Begin Team Page</a:t>
             </a:r>
           </a:p>
           <a:p>
@@ -10972,7 +10711,7 @@
                   <a:schemeClr val="tx1"/>
                 </a:solidFill>
               </a:rPr>
-              <a:t>Fix leaderboard sport-specific data issue</a:t>
+              <a:t>Implement Password Requirements</a:t>
             </a:r>
           </a:p>
           <a:p>
@@ -10986,7 +10725,7 @@
                   <a:schemeClr val="tx1"/>
                 </a:solidFill>
               </a:rPr>
-              <a:t>View a friend’s profile and public info</a:t>
+              <a:t>Begin Challenges Page</a:t>
             </a:r>
           </a:p>
           <a:p>
@@ -11000,21 +10739,7 @@
                   <a:schemeClr val="tx1"/>
                 </a:solidFill>
               </a:rPr>
-              <a:t>Docker performance enhancement </a:t>
-            </a:r>
-          </a:p>
-          <a:p>
-            <a:pPr marL="342900" indent="-342900">
-              <a:buFont typeface="Arial" panose="020B0604020202020204" pitchFamily="34" charset="0"/>
-              <a:buChar char="•"/>
-            </a:pPr>
-            <a:r>
-              <a:rPr lang="en-US" dirty="0">
-                <a:solidFill>
-                  <a:schemeClr val="tx1"/>
-                </a:solidFill>
-              </a:rPr>
-              <a:t>Method to Leave a Club</a:t>
+              <a:t>Minor frontend fixes</a:t>
             </a:r>
           </a:p>
           <a:p>
